--- a/articles/legendre_dual/fig.pptx
+++ b/articles/legendre_dual/fig.pptx
@@ -5,7 +5,7 @@
     <p:sldMasterId id="2147483648" r:id="rId1"/>
   </p:sldMasterIdLst>
   <p:notesMasterIdLst>
-    <p:notesMasterId r:id="rId9"/>
+    <p:notesMasterId r:id="rId10"/>
   </p:notesMasterIdLst>
   <p:sldIdLst>
     <p:sldId id="262" r:id="rId2"/>
@@ -15,6 +15,7 @@
     <p:sldId id="260" r:id="rId6"/>
     <p:sldId id="259" r:id="rId7"/>
     <p:sldId id="261" r:id="rId8"/>
+    <p:sldId id="263" r:id="rId9"/>
   </p:sldIdLst>
   <p:sldSz cx="9144000" cy="6858000" type="screen4x3"/>
   <p:notesSz cx="6858000" cy="9144000"/>
@@ -1232,8 +1233,8 @@
           </a:p>
         </p:txBody>
       </p:sp>
-      <mc:AlternateContent xmlns:mc="http://schemas.openxmlformats.org/markup-compatibility/2006">
-        <mc:Choice xmlns:a14="http://schemas.microsoft.com/office/drawing/2010/main" Requires="a14">
+      <mc:AlternateContent xmlns:mc="http://schemas.openxmlformats.org/markup-compatibility/2006" xmlns:a14="http://schemas.microsoft.com/office/drawing/2010/main">
+        <mc:Choice Requires="a14">
           <p:sp>
             <p:nvSpPr>
               <p:cNvPr id="15" name="テキスト ボックス 14"/>
@@ -1256,6 +1257,7 @@
               </a:bodyPr>
               <a:lstStyle/>
               <a:p>
+                <a:pPr/>
                 <a14:m>
                   <m:oMathPara xmlns:m="http://schemas.openxmlformats.org/officeDocument/2006/math">
                     <m:oMathParaPr>
@@ -1300,7 +1302,7 @@
             </p:txBody>
           </p:sp>
         </mc:Choice>
-        <mc:Fallback>
+        <mc:Fallback xmlns="">
           <p:sp>
             <p:nvSpPr>
               <p:cNvPr id="15" name="テキスト ボックス 14"/>
@@ -1339,8 +1341,8 @@
           </p:sp>
         </mc:Fallback>
       </mc:AlternateContent>
-      <mc:AlternateContent xmlns:mc="http://schemas.openxmlformats.org/markup-compatibility/2006">
-        <mc:Choice xmlns:a14="http://schemas.microsoft.com/office/drawing/2010/main" Requires="a14">
+      <mc:AlternateContent xmlns:mc="http://schemas.openxmlformats.org/markup-compatibility/2006" xmlns:a14="http://schemas.microsoft.com/office/drawing/2010/main">
+        <mc:Choice Requires="a14">
           <p:sp>
             <p:nvSpPr>
               <p:cNvPr id="16" name="テキスト ボックス 15"/>
@@ -1363,6 +1365,7 @@
               </a:bodyPr>
               <a:lstStyle/>
               <a:p>
+                <a:pPr/>
                 <a14:m>
                   <m:oMathPara xmlns:m="http://schemas.openxmlformats.org/officeDocument/2006/math">
                     <m:oMathParaPr>
@@ -1413,7 +1416,7 @@
             </p:txBody>
           </p:sp>
         </mc:Choice>
-        <mc:Fallback>
+        <mc:Fallback xmlns="">
           <p:sp>
             <p:nvSpPr>
               <p:cNvPr id="16" name="テキスト ボックス 15"/>
@@ -1486,8 +1489,8 @@
           </a:p>
         </p:txBody>
       </p:sp>
-      <mc:AlternateContent xmlns:mc="http://schemas.openxmlformats.org/markup-compatibility/2006">
-        <mc:Choice xmlns:a14="http://schemas.microsoft.com/office/drawing/2010/main" Requires="a14">
+      <mc:AlternateContent xmlns:mc="http://schemas.openxmlformats.org/markup-compatibility/2006" xmlns:a14="http://schemas.microsoft.com/office/drawing/2010/main">
+        <mc:Choice Requires="a14">
           <p:sp>
             <p:nvSpPr>
               <p:cNvPr id="20" name="テキスト ボックス 19"/>
@@ -1510,6 +1513,7 @@
               </a:bodyPr>
               <a:lstStyle/>
               <a:p>
+                <a:pPr/>
                 <a14:m>
                   <m:oMathPara xmlns:m="http://schemas.openxmlformats.org/officeDocument/2006/math">
                     <m:oMathParaPr>
@@ -1549,7 +1553,7 @@
             </p:txBody>
           </p:sp>
         </mc:Choice>
-        <mc:Fallback>
+        <mc:Fallback xmlns="">
           <p:sp>
             <p:nvSpPr>
               <p:cNvPr id="20" name="テキスト ボックス 19"/>
@@ -1588,8 +1592,8 @@
           </p:sp>
         </mc:Fallback>
       </mc:AlternateContent>
-      <mc:AlternateContent xmlns:mc="http://schemas.openxmlformats.org/markup-compatibility/2006">
-        <mc:Choice xmlns:a14="http://schemas.microsoft.com/office/drawing/2010/main" Requires="a14">
+      <mc:AlternateContent xmlns:mc="http://schemas.openxmlformats.org/markup-compatibility/2006" xmlns:a14="http://schemas.microsoft.com/office/drawing/2010/main">
+        <mc:Choice Requires="a14">
           <p:sp>
             <p:nvSpPr>
               <p:cNvPr id="25" name="テキスト ボックス 24"/>
@@ -1612,6 +1616,7 @@
               </a:bodyPr>
               <a:lstStyle/>
               <a:p>
+                <a:pPr/>
                 <a14:m>
                   <m:oMathPara xmlns:m="http://schemas.openxmlformats.org/officeDocument/2006/math">
                     <m:oMathParaPr>
@@ -1669,7 +1674,7 @@
             </p:txBody>
           </p:sp>
         </mc:Choice>
-        <mc:Fallback>
+        <mc:Fallback xmlns="">
           <p:sp>
             <p:nvSpPr>
               <p:cNvPr id="25" name="テキスト ボックス 24"/>
@@ -1708,8 +1713,8 @@
           </p:sp>
         </mc:Fallback>
       </mc:AlternateContent>
-      <mc:AlternateContent xmlns:mc="http://schemas.openxmlformats.org/markup-compatibility/2006">
-        <mc:Choice xmlns:a14="http://schemas.microsoft.com/office/drawing/2010/main" Requires="a14">
+      <mc:AlternateContent xmlns:mc="http://schemas.openxmlformats.org/markup-compatibility/2006" xmlns:a14="http://schemas.microsoft.com/office/drawing/2010/main">
+        <mc:Choice Requires="a14">
           <p:sp>
             <p:nvSpPr>
               <p:cNvPr id="26" name="テキスト ボックス 25"/>
@@ -1732,6 +1737,7 @@
               </a:bodyPr>
               <a:lstStyle/>
               <a:p>
+                <a:pPr/>
                 <a14:m>
                   <m:oMathPara xmlns:m="http://schemas.openxmlformats.org/officeDocument/2006/math">
                     <m:oMathParaPr>
@@ -1825,7 +1831,7 @@
             </p:txBody>
           </p:sp>
         </mc:Choice>
-        <mc:Fallback>
+        <mc:Fallback xmlns="">
           <p:sp>
             <p:nvSpPr>
               <p:cNvPr id="26" name="テキスト ボックス 25"/>
@@ -1936,8 +1942,8 @@
           </a:fontRef>
         </p:style>
       </p:cxnSp>
-      <mc:AlternateContent xmlns:mc="http://schemas.openxmlformats.org/markup-compatibility/2006">
-        <mc:Choice xmlns:a14="http://schemas.microsoft.com/office/drawing/2010/main" Requires="a14">
+      <mc:AlternateContent xmlns:mc="http://schemas.openxmlformats.org/markup-compatibility/2006" xmlns:a14="http://schemas.microsoft.com/office/drawing/2010/main">
+        <mc:Choice Requires="a14">
           <p:sp>
             <p:nvSpPr>
               <p:cNvPr id="31" name="テキスト ボックス 30"/>
@@ -1960,6 +1966,7 @@
               </a:bodyPr>
               <a:lstStyle/>
               <a:p>
+                <a:pPr/>
                 <a14:m>
                   <m:oMathPara xmlns:m="http://schemas.openxmlformats.org/officeDocument/2006/math">
                     <m:oMathParaPr>
@@ -2005,7 +2012,7 @@
             </p:txBody>
           </p:sp>
         </mc:Choice>
-        <mc:Fallback>
+        <mc:Fallback xmlns="">
           <p:sp>
             <p:nvSpPr>
               <p:cNvPr id="31" name="テキスト ボックス 30"/>
@@ -6087,6 +6094,946 @@
     <p:extLst>
       <p:ext uri="{BB962C8B-B14F-4D97-AF65-F5344CB8AC3E}">
         <p14:creationId xmlns:p14="http://schemas.microsoft.com/office/powerpoint/2010/main" val="1387464058"/>
+      </p:ext>
+    </p:extLst>
+  </p:cSld>
+  <p:clrMapOvr>
+    <a:masterClrMapping/>
+  </p:clrMapOvr>
+</p:sld>
+</file>
+
+<file path=ppt/slides/slide8.xml><?xml version="1.0" encoding="utf-8"?>
+<p:sld xmlns:a="http://schemas.openxmlformats.org/drawingml/2006/main" xmlns:r="http://schemas.openxmlformats.org/officeDocument/2006/relationships" xmlns:p="http://schemas.openxmlformats.org/presentationml/2006/main">
+  <p:cSld>
+    <p:spTree>
+      <p:nvGrpSpPr>
+        <p:cNvPr id="1" name=""/>
+        <p:cNvGrpSpPr/>
+        <p:nvPr/>
+      </p:nvGrpSpPr>
+      <p:grpSpPr>
+        <a:xfrm>
+          <a:off x="0" y="0"/>
+          <a:ext cx="0" cy="0"/>
+          <a:chOff x="0" y="0"/>
+          <a:chExt cx="0" cy="0"/>
+        </a:xfrm>
+      </p:grpSpPr>
+      <p:sp>
+        <p:nvSpPr>
+          <p:cNvPr id="3" name="正方形/長方形 2"/>
+          <p:cNvSpPr/>
+          <p:nvPr/>
+        </p:nvSpPr>
+        <p:spPr>
+          <a:xfrm>
+            <a:off x="3131840" y="1268760"/>
+            <a:ext cx="2880320" cy="2880320"/>
+          </a:xfrm>
+          <a:prstGeom prst="rect">
+            <a:avLst/>
+          </a:prstGeom>
+          <a:ln>
+            <a:solidFill>
+              <a:schemeClr val="tx1"/>
+            </a:solidFill>
+          </a:ln>
+        </p:spPr>
+        <p:txBody>
+          <a:bodyPr wrap="square" rtlCol="0" anchor="ctr">
+            <a:spAutoFit/>
+          </a:bodyPr>
+          <a:lstStyle/>
+          <a:p>
+            <a:pPr algn="ctr"/>
+            <a:endParaRPr kumimoji="1" lang="ja-JP" altLang="en-US" sz="2400" dirty="0" smtClean="0"/>
+          </a:p>
+        </p:txBody>
+      </p:sp>
+      <p:cxnSp>
+        <p:nvCxnSpPr>
+          <p:cNvPr id="5" name="直線コネクタ 4"/>
+          <p:cNvCxnSpPr/>
+          <p:nvPr/>
+        </p:nvCxnSpPr>
+        <p:spPr>
+          <a:xfrm flipH="1">
+            <a:off x="4572000" y="1268760"/>
+            <a:ext cx="1440160" cy="720080"/>
+          </a:xfrm>
+          <a:prstGeom prst="line">
+            <a:avLst/>
+          </a:prstGeom>
+          <a:ln w="9525">
+            <a:solidFill>
+              <a:schemeClr val="tx1"/>
+            </a:solidFill>
+            <a:headEnd type="none"/>
+            <a:tailEnd type="none"/>
+          </a:ln>
+          <a:effectLst/>
+        </p:spPr>
+        <p:style>
+          <a:lnRef idx="2">
+            <a:schemeClr val="accent1"/>
+          </a:lnRef>
+          <a:fillRef idx="0">
+            <a:schemeClr val="accent1"/>
+          </a:fillRef>
+          <a:effectRef idx="1">
+            <a:schemeClr val="accent1"/>
+          </a:effectRef>
+          <a:fontRef idx="minor">
+            <a:schemeClr val="tx1"/>
+          </a:fontRef>
+        </p:style>
+      </p:cxnSp>
+      <p:cxnSp>
+        <p:nvCxnSpPr>
+          <p:cNvPr id="7" name="直線コネクタ 6"/>
+          <p:cNvCxnSpPr/>
+          <p:nvPr/>
+        </p:nvCxnSpPr>
+        <p:spPr>
+          <a:xfrm flipH="1">
+            <a:off x="1691680" y="1268760"/>
+            <a:ext cx="1440160" cy="720080"/>
+          </a:xfrm>
+          <a:prstGeom prst="line">
+            <a:avLst/>
+          </a:prstGeom>
+          <a:ln w="9525">
+            <a:solidFill>
+              <a:schemeClr val="tx1"/>
+            </a:solidFill>
+            <a:headEnd type="none"/>
+            <a:tailEnd type="none"/>
+          </a:ln>
+          <a:effectLst/>
+        </p:spPr>
+        <p:style>
+          <a:lnRef idx="2">
+            <a:schemeClr val="accent1"/>
+          </a:lnRef>
+          <a:fillRef idx="0">
+            <a:schemeClr val="accent1"/>
+          </a:fillRef>
+          <a:effectRef idx="1">
+            <a:schemeClr val="accent1"/>
+          </a:effectRef>
+          <a:fontRef idx="minor">
+            <a:schemeClr val="tx1"/>
+          </a:fontRef>
+        </p:style>
+      </p:cxnSp>
+      <p:cxnSp>
+        <p:nvCxnSpPr>
+          <p:cNvPr id="31" name="直線コネクタ 30"/>
+          <p:cNvCxnSpPr/>
+          <p:nvPr/>
+        </p:nvCxnSpPr>
+        <p:spPr>
+          <a:xfrm flipH="1">
+            <a:off x="4572000" y="4149080"/>
+            <a:ext cx="1440160" cy="720080"/>
+          </a:xfrm>
+          <a:prstGeom prst="line">
+            <a:avLst/>
+          </a:prstGeom>
+          <a:ln w="9525">
+            <a:solidFill>
+              <a:schemeClr val="tx1"/>
+            </a:solidFill>
+            <a:headEnd type="none"/>
+            <a:tailEnd type="none"/>
+          </a:ln>
+          <a:effectLst/>
+        </p:spPr>
+        <p:style>
+          <a:lnRef idx="2">
+            <a:schemeClr val="accent1"/>
+          </a:lnRef>
+          <a:fillRef idx="0">
+            <a:schemeClr val="accent1"/>
+          </a:fillRef>
+          <a:effectRef idx="1">
+            <a:schemeClr val="accent1"/>
+          </a:effectRef>
+          <a:fontRef idx="minor">
+            <a:schemeClr val="tx1"/>
+          </a:fontRef>
+        </p:style>
+      </p:cxnSp>
+      <p:cxnSp>
+        <p:nvCxnSpPr>
+          <p:cNvPr id="32" name="直線コネクタ 31"/>
+          <p:cNvCxnSpPr/>
+          <p:nvPr/>
+        </p:nvCxnSpPr>
+        <p:spPr>
+          <a:xfrm flipH="1">
+            <a:off x="1691680" y="4149080"/>
+            <a:ext cx="1440160" cy="720080"/>
+          </a:xfrm>
+          <a:prstGeom prst="line">
+            <a:avLst/>
+          </a:prstGeom>
+          <a:ln w="9525">
+            <a:solidFill>
+              <a:schemeClr val="tx1"/>
+            </a:solidFill>
+            <a:headEnd type="none"/>
+            <a:tailEnd type="none"/>
+          </a:ln>
+          <a:effectLst/>
+        </p:spPr>
+        <p:style>
+          <a:lnRef idx="2">
+            <a:schemeClr val="accent1"/>
+          </a:lnRef>
+          <a:fillRef idx="0">
+            <a:schemeClr val="accent1"/>
+          </a:fillRef>
+          <a:effectRef idx="1">
+            <a:schemeClr val="accent1"/>
+          </a:effectRef>
+          <a:fontRef idx="minor">
+            <a:schemeClr val="tx1"/>
+          </a:fontRef>
+        </p:style>
+      </p:cxnSp>
+      <p:sp>
+        <p:nvSpPr>
+          <p:cNvPr id="33" name="楕円 32"/>
+          <p:cNvSpPr/>
+          <p:nvPr/>
+        </p:nvSpPr>
+        <p:spPr>
+          <a:xfrm>
+            <a:off x="3799790" y="1576670"/>
+            <a:ext cx="194320" cy="194320"/>
+          </a:xfrm>
+          <a:prstGeom prst="ellipse">
+            <a:avLst/>
+          </a:prstGeom>
+          <a:solidFill>
+            <a:srgbClr val="FF0000"/>
+          </a:solidFill>
+          <a:ln>
+            <a:solidFill>
+              <a:schemeClr val="tx1"/>
+            </a:solidFill>
+          </a:ln>
+        </p:spPr>
+        <p:txBody>
+          <a:bodyPr wrap="square" rtlCol="0" anchor="ctr">
+            <a:spAutoFit/>
+          </a:bodyPr>
+          <a:lstStyle/>
+          <a:p>
+            <a:pPr algn="ctr"/>
+            <a:endParaRPr kumimoji="1" lang="ja-JP" altLang="en-US" sz="2400" dirty="0" smtClean="0"/>
+          </a:p>
+        </p:txBody>
+      </p:sp>
+      <p:sp>
+        <p:nvSpPr>
+          <p:cNvPr id="34" name="楕円 33"/>
+          <p:cNvSpPr/>
+          <p:nvPr/>
+        </p:nvSpPr>
+        <p:spPr>
+          <a:xfrm>
+            <a:off x="5148064" y="2924944"/>
+            <a:ext cx="194320" cy="194320"/>
+          </a:xfrm>
+          <a:prstGeom prst="ellipse">
+            <a:avLst/>
+          </a:prstGeom>
+          <a:solidFill>
+            <a:srgbClr val="FF0000"/>
+          </a:solidFill>
+          <a:ln>
+            <a:solidFill>
+              <a:schemeClr val="tx1"/>
+            </a:solidFill>
+          </a:ln>
+        </p:spPr>
+        <p:txBody>
+          <a:bodyPr wrap="square" rtlCol="0" anchor="ctr">
+            <a:spAutoFit/>
+          </a:bodyPr>
+          <a:lstStyle/>
+          <a:p>
+            <a:pPr algn="ctr"/>
+            <a:endParaRPr kumimoji="1" lang="ja-JP" altLang="en-US" sz="2400" dirty="0" smtClean="0"/>
+          </a:p>
+        </p:txBody>
+      </p:sp>
+      <p:sp>
+        <p:nvSpPr>
+          <p:cNvPr id="35" name="楕円 34"/>
+          <p:cNvSpPr/>
+          <p:nvPr/>
+        </p:nvSpPr>
+        <p:spPr>
+          <a:xfrm>
+            <a:off x="2339752" y="2996952"/>
+            <a:ext cx="194320" cy="194320"/>
+          </a:xfrm>
+          <a:prstGeom prst="ellipse">
+            <a:avLst/>
+          </a:prstGeom>
+          <a:solidFill>
+            <a:srgbClr val="FF0000"/>
+          </a:solidFill>
+          <a:ln>
+            <a:solidFill>
+              <a:schemeClr val="tx1"/>
+            </a:solidFill>
+          </a:ln>
+        </p:spPr>
+        <p:txBody>
+          <a:bodyPr wrap="square" rtlCol="0" anchor="ctr">
+            <a:spAutoFit/>
+          </a:bodyPr>
+          <a:lstStyle/>
+          <a:p>
+            <a:pPr algn="ctr"/>
+            <a:endParaRPr kumimoji="1" lang="ja-JP" altLang="en-US" sz="2400" dirty="0" smtClean="0"/>
+          </a:p>
+        </p:txBody>
+      </p:sp>
+      <p:sp>
+        <p:nvSpPr>
+          <p:cNvPr id="36" name="楕円 35"/>
+          <p:cNvSpPr/>
+          <p:nvPr/>
+        </p:nvSpPr>
+        <p:spPr>
+          <a:xfrm>
+            <a:off x="4499992" y="2636912"/>
+            <a:ext cx="194320" cy="194320"/>
+          </a:xfrm>
+          <a:prstGeom prst="ellipse">
+            <a:avLst/>
+          </a:prstGeom>
+          <a:solidFill>
+            <a:srgbClr val="FF0000"/>
+          </a:solidFill>
+          <a:ln>
+            <a:solidFill>
+              <a:schemeClr val="tx1"/>
+            </a:solidFill>
+          </a:ln>
+        </p:spPr>
+        <p:txBody>
+          <a:bodyPr wrap="square" rtlCol="0" anchor="ctr">
+            <a:spAutoFit/>
+          </a:bodyPr>
+          <a:lstStyle/>
+          <a:p>
+            <a:pPr algn="ctr"/>
+            <a:endParaRPr kumimoji="1" lang="ja-JP" altLang="en-US" sz="2400" dirty="0" smtClean="0"/>
+          </a:p>
+        </p:txBody>
+      </p:sp>
+      <p:sp>
+        <p:nvSpPr>
+          <p:cNvPr id="37" name="楕円 36"/>
+          <p:cNvSpPr/>
+          <p:nvPr/>
+        </p:nvSpPr>
+        <p:spPr>
+          <a:xfrm>
+            <a:off x="2987824" y="3306688"/>
+            <a:ext cx="194320" cy="194320"/>
+          </a:xfrm>
+          <a:prstGeom prst="ellipse">
+            <a:avLst/>
+          </a:prstGeom>
+          <a:solidFill>
+            <a:srgbClr val="FF0000"/>
+          </a:solidFill>
+          <a:ln>
+            <a:solidFill>
+              <a:schemeClr val="tx1"/>
+            </a:solidFill>
+          </a:ln>
+        </p:spPr>
+        <p:txBody>
+          <a:bodyPr wrap="square" rtlCol="0" anchor="ctr">
+            <a:spAutoFit/>
+          </a:bodyPr>
+          <a:lstStyle/>
+          <a:p>
+            <a:pPr algn="ctr"/>
+            <a:endParaRPr kumimoji="1" lang="ja-JP" altLang="en-US" sz="2400" dirty="0" smtClean="0"/>
+          </a:p>
+        </p:txBody>
+      </p:sp>
+      <p:sp>
+        <p:nvSpPr>
+          <p:cNvPr id="38" name="楕円 37"/>
+          <p:cNvSpPr/>
+          <p:nvPr/>
+        </p:nvSpPr>
+        <p:spPr>
+          <a:xfrm>
+            <a:off x="3635896" y="4437112"/>
+            <a:ext cx="194320" cy="194320"/>
+          </a:xfrm>
+          <a:prstGeom prst="ellipse">
+            <a:avLst/>
+          </a:prstGeom>
+          <a:solidFill>
+            <a:srgbClr val="FF0000"/>
+          </a:solidFill>
+          <a:ln>
+            <a:solidFill>
+              <a:schemeClr val="tx1"/>
+            </a:solidFill>
+          </a:ln>
+        </p:spPr>
+        <p:txBody>
+          <a:bodyPr wrap="square" rtlCol="0" anchor="ctr">
+            <a:spAutoFit/>
+          </a:bodyPr>
+          <a:lstStyle/>
+          <a:p>
+            <a:pPr algn="ctr"/>
+            <a:endParaRPr kumimoji="1" lang="ja-JP" altLang="en-US" sz="2400" dirty="0" smtClean="0"/>
+          </a:p>
+        </p:txBody>
+      </p:sp>
+      <p:sp>
+        <p:nvSpPr>
+          <p:cNvPr id="2" name="正方形/長方形 1"/>
+          <p:cNvSpPr/>
+          <p:nvPr/>
+        </p:nvSpPr>
+        <p:spPr>
+          <a:xfrm>
+            <a:off x="1691680" y="1988840"/>
+            <a:ext cx="2880320" cy="2880320"/>
+          </a:xfrm>
+          <a:prstGeom prst="rect">
+            <a:avLst/>
+          </a:prstGeom>
+          <a:ln>
+            <a:solidFill>
+              <a:schemeClr val="tx1"/>
+            </a:solidFill>
+          </a:ln>
+        </p:spPr>
+        <p:txBody>
+          <a:bodyPr wrap="square" rtlCol="0" anchor="ctr">
+            <a:spAutoFit/>
+          </a:bodyPr>
+          <a:lstStyle/>
+          <a:p>
+            <a:pPr algn="ctr"/>
+            <a:endParaRPr kumimoji="1" lang="ja-JP" altLang="en-US" sz="2400" dirty="0" smtClean="0"/>
+          </a:p>
+        </p:txBody>
+      </p:sp>
+      <p:cxnSp>
+        <p:nvCxnSpPr>
+          <p:cNvPr id="40" name="直線コネクタ 39"/>
+          <p:cNvCxnSpPr>
+            <a:stCxn id="33" idx="4"/>
+            <a:endCxn id="35" idx="7"/>
+          </p:cNvCxnSpPr>
+          <p:nvPr/>
+        </p:nvCxnSpPr>
+        <p:spPr>
+          <a:xfrm flipH="1">
+            <a:off x="2505614" y="1770990"/>
+            <a:ext cx="1391336" cy="1254420"/>
+          </a:xfrm>
+          <a:prstGeom prst="line">
+            <a:avLst/>
+          </a:prstGeom>
+          <a:ln w="9525">
+            <a:solidFill>
+              <a:schemeClr val="tx1"/>
+            </a:solidFill>
+            <a:headEnd type="none"/>
+            <a:tailEnd type="none"/>
+          </a:ln>
+          <a:effectLst/>
+        </p:spPr>
+        <p:style>
+          <a:lnRef idx="2">
+            <a:schemeClr val="accent1"/>
+          </a:lnRef>
+          <a:fillRef idx="0">
+            <a:schemeClr val="accent1"/>
+          </a:fillRef>
+          <a:effectRef idx="1">
+            <a:schemeClr val="accent1"/>
+          </a:effectRef>
+          <a:fontRef idx="minor">
+            <a:schemeClr val="tx1"/>
+          </a:fontRef>
+        </p:style>
+      </p:cxnSp>
+      <p:cxnSp>
+        <p:nvCxnSpPr>
+          <p:cNvPr id="42" name="直線コネクタ 41"/>
+          <p:cNvCxnSpPr>
+            <a:stCxn id="33" idx="4"/>
+            <a:endCxn id="37" idx="0"/>
+          </p:cNvCxnSpPr>
+          <p:nvPr/>
+        </p:nvCxnSpPr>
+        <p:spPr>
+          <a:xfrm flipH="1">
+            <a:off x="3084984" y="1770990"/>
+            <a:ext cx="811966" cy="1535698"/>
+          </a:xfrm>
+          <a:prstGeom prst="line">
+            <a:avLst/>
+          </a:prstGeom>
+          <a:ln w="9525">
+            <a:solidFill>
+              <a:schemeClr val="tx1"/>
+            </a:solidFill>
+            <a:headEnd type="none"/>
+            <a:tailEnd type="none"/>
+          </a:ln>
+          <a:effectLst/>
+        </p:spPr>
+        <p:style>
+          <a:lnRef idx="2">
+            <a:schemeClr val="accent1"/>
+          </a:lnRef>
+          <a:fillRef idx="0">
+            <a:schemeClr val="accent1"/>
+          </a:fillRef>
+          <a:effectRef idx="1">
+            <a:schemeClr val="accent1"/>
+          </a:effectRef>
+          <a:fontRef idx="minor">
+            <a:schemeClr val="tx1"/>
+          </a:fontRef>
+        </p:style>
+      </p:cxnSp>
+      <p:cxnSp>
+        <p:nvCxnSpPr>
+          <p:cNvPr id="45" name="直線コネクタ 44"/>
+          <p:cNvCxnSpPr>
+            <a:stCxn id="33" idx="4"/>
+            <a:endCxn id="36" idx="1"/>
+          </p:cNvCxnSpPr>
+          <p:nvPr/>
+        </p:nvCxnSpPr>
+        <p:spPr>
+          <a:xfrm>
+            <a:off x="3896950" y="1770990"/>
+            <a:ext cx="631500" cy="894380"/>
+          </a:xfrm>
+          <a:prstGeom prst="line">
+            <a:avLst/>
+          </a:prstGeom>
+          <a:ln w="9525">
+            <a:solidFill>
+              <a:schemeClr val="tx1"/>
+            </a:solidFill>
+            <a:headEnd type="none"/>
+            <a:tailEnd type="none"/>
+          </a:ln>
+          <a:effectLst/>
+        </p:spPr>
+        <p:style>
+          <a:lnRef idx="2">
+            <a:schemeClr val="accent1"/>
+          </a:lnRef>
+          <a:fillRef idx="0">
+            <a:schemeClr val="accent1"/>
+          </a:fillRef>
+          <a:effectRef idx="1">
+            <a:schemeClr val="accent1"/>
+          </a:effectRef>
+          <a:fontRef idx="minor">
+            <a:schemeClr val="tx1"/>
+          </a:fontRef>
+        </p:style>
+      </p:cxnSp>
+      <p:cxnSp>
+        <p:nvCxnSpPr>
+          <p:cNvPr id="47" name="直線コネクタ 46"/>
+          <p:cNvCxnSpPr>
+            <a:stCxn id="33" idx="4"/>
+            <a:endCxn id="34" idx="2"/>
+          </p:cNvCxnSpPr>
+          <p:nvPr/>
+        </p:nvCxnSpPr>
+        <p:spPr>
+          <a:xfrm>
+            <a:off x="3896950" y="1770990"/>
+            <a:ext cx="1251114" cy="1251114"/>
+          </a:xfrm>
+          <a:prstGeom prst="line">
+            <a:avLst/>
+          </a:prstGeom>
+          <a:ln w="9525">
+            <a:solidFill>
+              <a:schemeClr val="tx1"/>
+            </a:solidFill>
+            <a:headEnd type="none"/>
+            <a:tailEnd type="none"/>
+          </a:ln>
+          <a:effectLst/>
+        </p:spPr>
+        <p:style>
+          <a:lnRef idx="2">
+            <a:schemeClr val="accent1"/>
+          </a:lnRef>
+          <a:fillRef idx="0">
+            <a:schemeClr val="accent1"/>
+          </a:fillRef>
+          <a:effectRef idx="1">
+            <a:schemeClr val="accent1"/>
+          </a:effectRef>
+          <a:fontRef idx="minor">
+            <a:schemeClr val="tx1"/>
+          </a:fontRef>
+        </p:style>
+      </p:cxnSp>
+      <p:cxnSp>
+        <p:nvCxnSpPr>
+          <p:cNvPr id="49" name="直線コネクタ 48"/>
+          <p:cNvCxnSpPr>
+            <a:stCxn id="37" idx="5"/>
+            <a:endCxn id="38" idx="1"/>
+          </p:cNvCxnSpPr>
+          <p:nvPr/>
+        </p:nvCxnSpPr>
+        <p:spPr>
+          <a:xfrm>
+            <a:off x="3153686" y="3472550"/>
+            <a:ext cx="510668" cy="993020"/>
+          </a:xfrm>
+          <a:prstGeom prst="line">
+            <a:avLst/>
+          </a:prstGeom>
+          <a:ln w="9525">
+            <a:solidFill>
+              <a:schemeClr val="tx1"/>
+            </a:solidFill>
+            <a:headEnd type="none"/>
+            <a:tailEnd type="none"/>
+          </a:ln>
+          <a:effectLst/>
+        </p:spPr>
+        <p:style>
+          <a:lnRef idx="2">
+            <a:schemeClr val="accent1"/>
+          </a:lnRef>
+          <a:fillRef idx="0">
+            <a:schemeClr val="accent1"/>
+          </a:fillRef>
+          <a:effectRef idx="1">
+            <a:schemeClr val="accent1"/>
+          </a:effectRef>
+          <a:fontRef idx="minor">
+            <a:schemeClr val="tx1"/>
+          </a:fontRef>
+        </p:style>
+      </p:cxnSp>
+      <p:cxnSp>
+        <p:nvCxnSpPr>
+          <p:cNvPr id="51" name="直線コネクタ 50"/>
+          <p:cNvCxnSpPr>
+            <a:stCxn id="38" idx="7"/>
+            <a:endCxn id="34" idx="4"/>
+          </p:cNvCxnSpPr>
+          <p:nvPr/>
+        </p:nvCxnSpPr>
+        <p:spPr>
+          <a:xfrm flipV="1">
+            <a:off x="3801758" y="3119264"/>
+            <a:ext cx="1443466" cy="1346306"/>
+          </a:xfrm>
+          <a:prstGeom prst="line">
+            <a:avLst/>
+          </a:prstGeom>
+          <a:ln w="9525">
+            <a:solidFill>
+              <a:schemeClr val="tx1"/>
+            </a:solidFill>
+            <a:headEnd type="none"/>
+            <a:tailEnd type="none"/>
+          </a:ln>
+          <a:effectLst/>
+        </p:spPr>
+        <p:style>
+          <a:lnRef idx="2">
+            <a:schemeClr val="accent1"/>
+          </a:lnRef>
+          <a:fillRef idx="0">
+            <a:schemeClr val="accent1"/>
+          </a:fillRef>
+          <a:effectRef idx="1">
+            <a:schemeClr val="accent1"/>
+          </a:effectRef>
+          <a:fontRef idx="minor">
+            <a:schemeClr val="tx1"/>
+          </a:fontRef>
+        </p:style>
+      </p:cxnSp>
+      <p:cxnSp>
+        <p:nvCxnSpPr>
+          <p:cNvPr id="53" name="直線コネクタ 52"/>
+          <p:cNvCxnSpPr>
+            <a:stCxn id="38" idx="0"/>
+            <a:endCxn id="36" idx="4"/>
+          </p:cNvCxnSpPr>
+          <p:nvPr/>
+        </p:nvCxnSpPr>
+        <p:spPr>
+          <a:xfrm flipV="1">
+            <a:off x="3733056" y="2831232"/>
+            <a:ext cx="864096" cy="1605880"/>
+          </a:xfrm>
+          <a:prstGeom prst="line">
+            <a:avLst/>
+          </a:prstGeom>
+          <a:ln w="9525">
+            <a:solidFill>
+              <a:schemeClr val="tx1"/>
+            </a:solidFill>
+            <a:headEnd type="none"/>
+            <a:tailEnd type="none"/>
+          </a:ln>
+          <a:effectLst/>
+        </p:spPr>
+        <p:style>
+          <a:lnRef idx="2">
+            <a:schemeClr val="accent1"/>
+          </a:lnRef>
+          <a:fillRef idx="0">
+            <a:schemeClr val="accent1"/>
+          </a:fillRef>
+          <a:effectRef idx="1">
+            <a:schemeClr val="accent1"/>
+          </a:effectRef>
+          <a:fontRef idx="minor">
+            <a:schemeClr val="tx1"/>
+          </a:fontRef>
+        </p:style>
+      </p:cxnSp>
+      <p:cxnSp>
+        <p:nvCxnSpPr>
+          <p:cNvPr id="55" name="直線コネクタ 54"/>
+          <p:cNvCxnSpPr>
+            <a:stCxn id="38" idx="2"/>
+            <a:endCxn id="35" idx="5"/>
+          </p:cNvCxnSpPr>
+          <p:nvPr/>
+        </p:nvCxnSpPr>
+        <p:spPr>
+          <a:xfrm flipH="1" flipV="1">
+            <a:off x="2505614" y="3162814"/>
+            <a:ext cx="1130282" cy="1371458"/>
+          </a:xfrm>
+          <a:prstGeom prst="line">
+            <a:avLst/>
+          </a:prstGeom>
+          <a:ln w="9525">
+            <a:solidFill>
+              <a:schemeClr val="tx1"/>
+            </a:solidFill>
+            <a:headEnd type="none"/>
+            <a:tailEnd type="none"/>
+          </a:ln>
+          <a:effectLst/>
+        </p:spPr>
+        <p:style>
+          <a:lnRef idx="2">
+            <a:schemeClr val="accent1"/>
+          </a:lnRef>
+          <a:fillRef idx="0">
+            <a:schemeClr val="accent1"/>
+          </a:fillRef>
+          <a:effectRef idx="1">
+            <a:schemeClr val="accent1"/>
+          </a:effectRef>
+          <a:fontRef idx="minor">
+            <a:schemeClr val="tx1"/>
+          </a:fontRef>
+        </p:style>
+      </p:cxnSp>
+      <p:cxnSp>
+        <p:nvCxnSpPr>
+          <p:cNvPr id="57" name="直線コネクタ 56"/>
+          <p:cNvCxnSpPr>
+            <a:stCxn id="36" idx="6"/>
+            <a:endCxn id="34" idx="2"/>
+          </p:cNvCxnSpPr>
+          <p:nvPr/>
+        </p:nvCxnSpPr>
+        <p:spPr>
+          <a:xfrm>
+            <a:off x="4694312" y="2734072"/>
+            <a:ext cx="453752" cy="288032"/>
+          </a:xfrm>
+          <a:prstGeom prst="line">
+            <a:avLst/>
+          </a:prstGeom>
+          <a:ln w="9525">
+            <a:solidFill>
+              <a:schemeClr val="tx1"/>
+            </a:solidFill>
+            <a:headEnd type="none"/>
+            <a:tailEnd type="none"/>
+          </a:ln>
+          <a:effectLst/>
+        </p:spPr>
+        <p:style>
+          <a:lnRef idx="2">
+            <a:schemeClr val="accent1"/>
+          </a:lnRef>
+          <a:fillRef idx="0">
+            <a:schemeClr val="accent1"/>
+          </a:fillRef>
+          <a:effectRef idx="1">
+            <a:schemeClr val="accent1"/>
+          </a:effectRef>
+          <a:fontRef idx="minor">
+            <a:schemeClr val="tx1"/>
+          </a:fontRef>
+        </p:style>
+      </p:cxnSp>
+      <p:cxnSp>
+        <p:nvCxnSpPr>
+          <p:cNvPr id="59" name="直線コネクタ 58"/>
+          <p:cNvCxnSpPr>
+            <a:stCxn id="34" idx="3"/>
+            <a:endCxn id="37" idx="6"/>
+          </p:cNvCxnSpPr>
+          <p:nvPr/>
+        </p:nvCxnSpPr>
+        <p:spPr>
+          <a:xfrm flipH="1">
+            <a:off x="3182144" y="3090806"/>
+            <a:ext cx="1994378" cy="313042"/>
+          </a:xfrm>
+          <a:prstGeom prst="line">
+            <a:avLst/>
+          </a:prstGeom>
+          <a:ln w="9525">
+            <a:solidFill>
+              <a:schemeClr val="tx1"/>
+            </a:solidFill>
+            <a:headEnd type="none"/>
+            <a:tailEnd type="none"/>
+          </a:ln>
+          <a:effectLst/>
+        </p:spPr>
+        <p:style>
+          <a:lnRef idx="2">
+            <a:schemeClr val="accent1"/>
+          </a:lnRef>
+          <a:fillRef idx="0">
+            <a:schemeClr val="accent1"/>
+          </a:fillRef>
+          <a:effectRef idx="1">
+            <a:schemeClr val="accent1"/>
+          </a:effectRef>
+          <a:fontRef idx="minor">
+            <a:schemeClr val="tx1"/>
+          </a:fontRef>
+        </p:style>
+      </p:cxnSp>
+      <p:cxnSp>
+        <p:nvCxnSpPr>
+          <p:cNvPr id="61" name="直線コネクタ 60"/>
+          <p:cNvCxnSpPr>
+            <a:stCxn id="37" idx="2"/>
+            <a:endCxn id="35" idx="6"/>
+          </p:cNvCxnSpPr>
+          <p:nvPr/>
+        </p:nvCxnSpPr>
+        <p:spPr>
+          <a:xfrm flipH="1" flipV="1">
+            <a:off x="2534072" y="3094112"/>
+            <a:ext cx="453752" cy="309736"/>
+          </a:xfrm>
+          <a:prstGeom prst="line">
+            <a:avLst/>
+          </a:prstGeom>
+          <a:ln w="9525">
+            <a:solidFill>
+              <a:schemeClr val="tx1"/>
+            </a:solidFill>
+            <a:headEnd type="none"/>
+            <a:tailEnd type="none"/>
+          </a:ln>
+          <a:effectLst/>
+        </p:spPr>
+        <p:style>
+          <a:lnRef idx="2">
+            <a:schemeClr val="accent1"/>
+          </a:lnRef>
+          <a:fillRef idx="0">
+            <a:schemeClr val="accent1"/>
+          </a:fillRef>
+          <a:effectRef idx="1">
+            <a:schemeClr val="accent1"/>
+          </a:effectRef>
+          <a:fontRef idx="minor">
+            <a:schemeClr val="tx1"/>
+          </a:fontRef>
+        </p:style>
+      </p:cxnSp>
+      <p:cxnSp>
+        <p:nvCxnSpPr>
+          <p:cNvPr id="63" name="直線コネクタ 62"/>
+          <p:cNvCxnSpPr>
+            <a:stCxn id="36" idx="2"/>
+            <a:endCxn id="35" idx="6"/>
+          </p:cNvCxnSpPr>
+          <p:nvPr/>
+        </p:nvCxnSpPr>
+        <p:spPr>
+          <a:xfrm flipH="1">
+            <a:off x="2534072" y="2734072"/>
+            <a:ext cx="1965920" cy="360040"/>
+          </a:xfrm>
+          <a:prstGeom prst="line">
+            <a:avLst/>
+          </a:prstGeom>
+          <a:ln w="9525">
+            <a:solidFill>
+              <a:schemeClr val="tx1"/>
+            </a:solidFill>
+            <a:headEnd type="none"/>
+            <a:tailEnd type="none"/>
+          </a:ln>
+          <a:effectLst/>
+        </p:spPr>
+        <p:style>
+          <a:lnRef idx="2">
+            <a:schemeClr val="accent1"/>
+          </a:lnRef>
+          <a:fillRef idx="0">
+            <a:schemeClr val="accent1"/>
+          </a:fillRef>
+          <a:effectRef idx="1">
+            <a:schemeClr val="accent1"/>
+          </a:effectRef>
+          <a:fontRef idx="minor">
+            <a:schemeClr val="tx1"/>
+          </a:fontRef>
+        </p:style>
+      </p:cxnSp>
+    </p:spTree>
+    <p:extLst>
+      <p:ext uri="{BB962C8B-B14F-4D97-AF65-F5344CB8AC3E}">
+        <p14:creationId xmlns:p14="http://schemas.microsoft.com/office/powerpoint/2010/main" val="788233199"/>
       </p:ext>
     </p:extLst>
   </p:cSld>
